--- a/otel teoria/Day 1 session 2.1 Przeglad SDK.pptx
+++ b/otel teoria/Day 1 session 2.1 Przeglad SDK.pptx
@@ -9,7 +9,7 @@
   </p:notesMasterIdLst>
   <p:sldIdLst>
     <p:sldId id="256" r:id="rId2"/>
-    <p:sldId id="257" r:id="rId3"/>
+    <p:sldId id="353" r:id="rId3"/>
     <p:sldId id="272" r:id="rId4"/>
     <p:sldId id="348" r:id="rId5"/>
     <p:sldId id="346" r:id="rId6"/>
@@ -215,7 +215,7 @@
           <a:p>
             <a:fld id="{B6182559-CB5C-D240-A660-003CD22EEEA2}" type="datetimeFigureOut">
               <a:rPr lang="pl-PL" smtClean="0"/>
-              <a:t>29.09.2024</a:t>
+              <a:t>1.10.2024</a:t>
             </a:fld>
             <a:endParaRPr lang="pl-PL"/>
           </a:p>
@@ -662,7 +662,7 @@
           <a:p>
             <a:fld id="{5BCAD085-E8A6-8845-BD4E-CB4CCA059FC4}" type="datetimeFigureOut">
               <a:rPr lang="en-US" smtClean="0"/>
-              <a:t>9/29/24</a:t>
+              <a:t>10/1/24</a:t>
             </a:fld>
             <a:endParaRPr lang="en-US"/>
           </a:p>
@@ -830,7 +830,7 @@
           <a:p>
             <a:fld id="{5BCAD085-E8A6-8845-BD4E-CB4CCA059FC4}" type="datetimeFigureOut">
               <a:rPr lang="en-US" smtClean="0"/>
-              <a:t>9/29/24</a:t>
+              <a:t>10/1/24</a:t>
             </a:fld>
             <a:endParaRPr lang="en-US"/>
           </a:p>
@@ -1008,7 +1008,7 @@
           <a:p>
             <a:fld id="{5BCAD085-E8A6-8845-BD4E-CB4CCA059FC4}" type="datetimeFigureOut">
               <a:rPr lang="en-US" smtClean="0"/>
-              <a:t>9/29/24</a:t>
+              <a:t>10/1/24</a:t>
             </a:fld>
             <a:endParaRPr lang="en-US"/>
           </a:p>
@@ -1176,7 +1176,7 @@
           <a:p>
             <a:fld id="{5BCAD085-E8A6-8845-BD4E-CB4CCA059FC4}" type="datetimeFigureOut">
               <a:rPr lang="en-US" smtClean="0"/>
-              <a:t>9/29/24</a:t>
+              <a:t>10/1/24</a:t>
             </a:fld>
             <a:endParaRPr lang="en-US"/>
           </a:p>
@@ -1421,7 +1421,7 @@
           <a:p>
             <a:fld id="{5BCAD085-E8A6-8845-BD4E-CB4CCA059FC4}" type="datetimeFigureOut">
               <a:rPr lang="en-US" smtClean="0"/>
-              <a:t>9/29/24</a:t>
+              <a:t>10/1/24</a:t>
             </a:fld>
             <a:endParaRPr lang="en-US"/>
           </a:p>
@@ -1706,7 +1706,7 @@
           <a:p>
             <a:fld id="{5BCAD085-E8A6-8845-BD4E-CB4CCA059FC4}" type="datetimeFigureOut">
               <a:rPr lang="en-US" smtClean="0"/>
-              <a:t>9/29/24</a:t>
+              <a:t>10/1/24</a:t>
             </a:fld>
             <a:endParaRPr lang="en-US"/>
           </a:p>
@@ -2125,7 +2125,7 @@
           <a:p>
             <a:fld id="{5BCAD085-E8A6-8845-BD4E-CB4CCA059FC4}" type="datetimeFigureOut">
               <a:rPr lang="en-US" smtClean="0"/>
-              <a:t>9/29/24</a:t>
+              <a:t>10/1/24</a:t>
             </a:fld>
             <a:endParaRPr lang="en-US"/>
           </a:p>
@@ -2242,7 +2242,7 @@
           <a:p>
             <a:fld id="{5BCAD085-E8A6-8845-BD4E-CB4CCA059FC4}" type="datetimeFigureOut">
               <a:rPr lang="en-US" smtClean="0"/>
-              <a:t>9/29/24</a:t>
+              <a:t>10/1/24</a:t>
             </a:fld>
             <a:endParaRPr lang="en-US"/>
           </a:p>
@@ -2337,7 +2337,7 @@
           <a:p>
             <a:fld id="{5BCAD085-E8A6-8845-BD4E-CB4CCA059FC4}" type="datetimeFigureOut">
               <a:rPr lang="en-US" smtClean="0"/>
-              <a:t>9/29/24</a:t>
+              <a:t>10/1/24</a:t>
             </a:fld>
             <a:endParaRPr lang="en-US"/>
           </a:p>
@@ -2612,7 +2612,7 @@
           <a:p>
             <a:fld id="{5BCAD085-E8A6-8845-BD4E-CB4CCA059FC4}" type="datetimeFigureOut">
               <a:rPr lang="en-US" smtClean="0"/>
-              <a:t>9/29/24</a:t>
+              <a:t>10/1/24</a:t>
             </a:fld>
             <a:endParaRPr lang="en-US"/>
           </a:p>
@@ -2864,7 +2864,7 @@
           <a:p>
             <a:fld id="{5BCAD085-E8A6-8845-BD4E-CB4CCA059FC4}" type="datetimeFigureOut">
               <a:rPr lang="en-US" smtClean="0"/>
-              <a:t>9/29/24</a:t>
+              <a:t>10/1/24</a:t>
             </a:fld>
             <a:endParaRPr lang="en-US"/>
           </a:p>
@@ -3075,7 +3075,7 @@
           <a:p>
             <a:fld id="{5BCAD085-E8A6-8845-BD4E-CB4CCA059FC4}" type="datetimeFigureOut">
               <a:rPr lang="en-US" smtClean="0"/>
-              <a:t>9/29/24</a:t>
+              <a:t>10/1/24</a:t>
             </a:fld>
             <a:endParaRPr lang="en-US"/>
           </a:p>
@@ -3497,50 +3497,13 @@
           <a:lstStyle/>
           <a:p>
             <a:r>
-              <a:rPr dirty="0"/>
-              <a:t>Plan </a:t>
-            </a:r>
-            <a:r>
-              <a:rPr dirty="0" err="1"/>
-              <a:t>szkolenia</a:t>
-            </a:r>
-            <a:r>
-              <a:rPr dirty="0"/>
-              <a:t> z </a:t>
-            </a:r>
-            <a:r>
-              <a:rPr dirty="0" err="1"/>
-              <a:t>dodatkowymi</a:t>
-            </a:r>
-            <a:r>
-              <a:rPr dirty="0"/>
-              <a:t> </a:t>
-            </a:r>
-            <a:r>
-              <a:rPr dirty="0" err="1"/>
-              <a:t>materiałami</a:t>
-            </a:r>
-            <a:r>
-              <a:rPr dirty="0"/>
-              <a:t> </a:t>
-            </a:r>
-            <a:r>
-              <a:rPr dirty="0" err="1"/>
-              <a:t>i</a:t>
-            </a:r>
-            <a:r>
-              <a:rPr dirty="0"/>
-              <a:t> </a:t>
-            </a:r>
-            <a:r>
-              <a:rPr dirty="0" err="1"/>
-              <a:t>przykładami</a:t>
-            </a:r>
-            <a:r>
-              <a:rPr lang="en-US" dirty="0" err="1"/>
-              <a:t>downl</a:t>
-            </a:r>
-            <a:endParaRPr dirty="0"/>
+              <a:rPr lang="pl-PL" noProof="0"/>
+              <a:t>Przegląd </a:t>
+            </a:r>
+            <a:r>
+              <a:rPr lang="pl-PL" noProof="0" dirty="0"/>
+              <a:t>SDK</a:t>
+            </a:r>
           </a:p>
         </p:txBody>
       </p:sp>
@@ -3633,67 +3596,31 @@
             <a:endParaRPr lang="pl-PL" sz="1400" dirty="0"/>
           </a:p>
           <a:p>
-            <a:pPr marL="571500" lvl="1" indent="-171450">
-              <a:buFont typeface="Arial" panose="020B0604020202020204" pitchFamily="34" charset="0"/>
-              <a:buChar char="•"/>
-            </a:pPr>
+            <a:pPr marL="571500" lvl="1" indent="-171450"/>
             <a:r>
               <a:rPr lang="pl-PL" sz="1400" dirty="0"/>
               <a:t>Sesja 1: Przegląd Obserwowalności </a:t>
             </a:r>
           </a:p>
           <a:p>
-            <a:pPr marL="571500" lvl="1" indent="-171450">
-              <a:buFont typeface="Arial" panose="020B0604020202020204" pitchFamily="34" charset="0"/>
-              <a:buChar char="•"/>
-            </a:pPr>
+            <a:pPr marL="571500" lvl="1" indent="-171450"/>
             <a:r>
               <a:rPr lang="pl-PL" sz="1400" dirty="0"/>
               <a:t>Sesja 2: Wprowadzenie do OpenTelemetry</a:t>
             </a:r>
           </a:p>
           <a:p>
-            <a:pPr marL="571500" lvl="1" indent="-171450">
-              <a:buFont typeface="Arial" panose="020B0604020202020204" pitchFamily="34" charset="0"/>
-              <a:buChar char="•"/>
-            </a:pPr>
+            <a:pPr marL="571500" lvl="1" indent="-171450"/>
             <a:r>
               <a:rPr lang="pl-PL" sz="1400" dirty="0"/>
-              <a:t>Sesja 3: Przypadki użycia OpenTelemetry</a:t>
-            </a:r>
-          </a:p>
-          <a:p>
-            <a:pPr marL="571500" lvl="1" indent="-171450">
-              <a:buFont typeface="Arial" panose="020B0604020202020204" pitchFamily="34" charset="0"/>
-              <a:buChar char="•"/>
-            </a:pPr>
-            <a:r>
-              <a:rPr lang="pl-PL" sz="1400" dirty="0">
-                <a:highlight>
-                  <a:srgbClr val="00FF00"/>
-                </a:highlight>
-              </a:rPr>
-              <a:t>Sesja 4: Instalacja i Konfiguracja OpenTelemetry</a:t>
-            </a:r>
-          </a:p>
-          <a:p>
-            <a:pPr marL="571500" lvl="1" indent="-171450">
-              <a:buFont typeface="Arial" panose="020B0604020202020204" pitchFamily="34" charset="0"/>
-              <a:buChar char="•"/>
-            </a:pPr>
+              <a:t>Sesja 3: Instrumentacja z OpenTelemetry</a:t>
+            </a:r>
+          </a:p>
+          <a:p>
+            <a:pPr marL="571500" lvl="1" indent="-171450"/>
             <a:r>
               <a:rPr lang="pl-PL" sz="1400" dirty="0"/>
-              <a:t>Sesja 5: Instrumentacja z OpenTelemetry</a:t>
-            </a:r>
-          </a:p>
-          <a:p>
-            <a:pPr marL="571500" lvl="1" indent="-171450">
-              <a:buFont typeface="Arial" panose="020B0604020202020204" pitchFamily="34" charset="0"/>
-              <a:buChar char="•"/>
-            </a:pPr>
-            <a:r>
-              <a:rPr lang="pl-PL" sz="1400" dirty="0"/>
-              <a:t>Sesja 6: Zbieranie i Eksport Danych</a:t>
+              <a:t>Sesja 4: Zbieranie i Eksport Danych</a:t>
             </a:r>
           </a:p>
           <a:p>
@@ -3724,13 +3651,24 @@
             <a:endParaRPr lang="pl-PL" sz="1400" dirty="0"/>
           </a:p>
           <a:p>
-            <a:pPr marL="571500" lvl="1" indent="-171450">
-              <a:buFont typeface="Arial" panose="020B0604020202020204" pitchFamily="34" charset="0"/>
-              <a:buChar char="•"/>
-            </a:pPr>
+            <a:pPr marL="571500" lvl="1" indent="-171450"/>
             <a:r>
               <a:rPr lang="pl-PL" sz="1400" dirty="0"/>
-              <a:t>Sesja 1: Wizualizacja Danych Telemetrycznych z </a:t>
+              <a:t>Sesja 1: Zaawansowane Tematy OpenTelemetry</a:t>
+            </a:r>
+          </a:p>
+          <a:p>
+            <a:pPr marL="571500" lvl="1" indent="-171450"/>
+            <a:r>
+              <a:rPr lang="pl-PL" sz="1400" dirty="0"/>
+              <a:t>Sesja 2: Rozwiązywanie Problemów i Analiza</a:t>
+            </a:r>
+          </a:p>
+          <a:p>
+            <a:pPr marL="571500" lvl="1" indent="-171450"/>
+            <a:r>
+              <a:rPr lang="pl-PL" sz="1400" dirty="0"/>
+              <a:t>Sesja 3: Wizualizacja Danych Telemetrycznych z </a:t>
             </a:r>
             <a:r>
               <a:rPr lang="pl-PL" sz="1400" dirty="0" err="1"/>
@@ -3739,30 +3677,7 @@
             <a:endParaRPr lang="pl-PL" sz="1400" dirty="0"/>
           </a:p>
           <a:p>
-            <a:pPr marL="571500" lvl="1" indent="-171450">
-              <a:buFont typeface="Arial" panose="020B0604020202020204" pitchFamily="34" charset="0"/>
-              <a:buChar char="•"/>
-            </a:pPr>
-            <a:r>
-              <a:rPr lang="pl-PL" sz="1400" dirty="0"/>
-              <a:t>Sesja 2: Zaawansowane Tematy OpenTelemetry</a:t>
-            </a:r>
-          </a:p>
-          <a:p>
-            <a:pPr marL="571500" lvl="1" indent="-171450">
-              <a:buFont typeface="Arial" panose="020B0604020202020204" pitchFamily="34" charset="0"/>
-              <a:buChar char="•"/>
-            </a:pPr>
-            <a:r>
-              <a:rPr lang="pl-PL" sz="1400" dirty="0"/>
-              <a:t>Sesja 3: Rozwiązywanie Problemów i Analiza</a:t>
-            </a:r>
-          </a:p>
-          <a:p>
-            <a:pPr marL="571500" lvl="1" indent="-171450">
-              <a:buFont typeface="Arial" panose="020B0604020202020204" pitchFamily="34" charset="0"/>
-              <a:buChar char="•"/>
-            </a:pPr>
+            <a:pPr marL="571500" lvl="1" indent="-171450"/>
             <a:r>
               <a:rPr lang="pl-PL" sz="1400" dirty="0"/>
               <a:t>Sesja 4: Projekt Końcowy</a:t>
@@ -3882,48 +3797,24 @@
           <a:p>
             <a:pPr algn="l"/>
             <a:r>
-              <a:rPr lang="pl-PL" sz="2000" dirty="0">
-                <a:highlight>
-                  <a:srgbClr val="00FF00"/>
-                </a:highlight>
-              </a:rPr>
+              <a:rPr lang="pl-PL" sz="2000" dirty="0"/>
               <a:t>Dzień 1: Wizualizacja, Tematy Zaawansowane i Praktyczne Ćwiczenia</a:t>
             </a:r>
             <a:br>
-              <a:rPr lang="pl-PL" sz="2000" dirty="0">
-                <a:highlight>
-                  <a:srgbClr val="00FF00"/>
-                </a:highlight>
-              </a:rPr>
+              <a:rPr lang="pl-PL" sz="2000" dirty="0"/>
             </a:br>
             <a:br>
-              <a:rPr lang="pl-PL" sz="2000" dirty="0">
-                <a:highlight>
-                  <a:srgbClr val="00FF00"/>
-                </a:highlight>
-              </a:rPr>
+              <a:rPr lang="pl-PL" sz="2000" dirty="0"/>
             </a:br>
             <a:r>
-              <a:rPr lang="pl-PL" sz="1800" dirty="0">
-                <a:highlight>
-                  <a:srgbClr val="00FF00"/>
-                </a:highlight>
-              </a:rPr>
+              <a:rPr lang="pl-PL" sz="1800" dirty="0"/>
               <a:t>Sesja 1: Instalacja i Konfiguracja OpenTelemetry</a:t>
             </a:r>
             <a:r>
-              <a:rPr lang="en-GB" sz="1800" dirty="0">
-                <a:highlight>
-                  <a:srgbClr val="00FF00"/>
-                </a:highlight>
-              </a:rPr>
+              <a:rPr lang="en-GB" sz="1800" dirty="0"/>
               <a:t>: </a:t>
             </a:r>
-            <a:endParaRPr lang="pl-PL" sz="2000" dirty="0">
-              <a:highlight>
-                <a:srgbClr val="00FF00"/>
-              </a:highlight>
-            </a:endParaRPr>
+            <a:endParaRPr lang="pl-PL" sz="2000" dirty="0"/>
           </a:p>
         </p:txBody>
       </p:sp>
@@ -4222,48 +4113,24 @@
           <a:p>
             <a:pPr algn="l"/>
             <a:r>
-              <a:rPr lang="pl-PL" sz="2000" dirty="0">
-                <a:highlight>
-                  <a:srgbClr val="00FF00"/>
-                </a:highlight>
-              </a:rPr>
+              <a:rPr lang="pl-PL" sz="2000" dirty="0"/>
               <a:t>Dzień 1: Wizualizacja, Tematy Zaawansowane i Praktyczne Ćwiczenia</a:t>
             </a:r>
             <a:br>
-              <a:rPr lang="pl-PL" sz="2000" dirty="0">
-                <a:highlight>
-                  <a:srgbClr val="00FF00"/>
-                </a:highlight>
-              </a:rPr>
+              <a:rPr lang="pl-PL" sz="2000" dirty="0"/>
             </a:br>
             <a:br>
-              <a:rPr lang="pl-PL" sz="2000" dirty="0">
-                <a:highlight>
-                  <a:srgbClr val="00FF00"/>
-                </a:highlight>
-              </a:rPr>
+              <a:rPr lang="pl-PL" sz="2000" dirty="0"/>
             </a:br>
             <a:r>
-              <a:rPr lang="pl-PL" sz="1800" dirty="0">
-                <a:highlight>
-                  <a:srgbClr val="00FF00"/>
-                </a:highlight>
-              </a:rPr>
+              <a:rPr lang="pl-PL" sz="1800" dirty="0"/>
               <a:t>Sesja 1: Instalacja i Konfiguracja OpenTelemetry</a:t>
             </a:r>
             <a:r>
-              <a:rPr lang="en-GB" sz="1800" dirty="0">
-                <a:highlight>
-                  <a:srgbClr val="00FF00"/>
-                </a:highlight>
-              </a:rPr>
+              <a:rPr lang="en-GB" sz="1800" dirty="0"/>
               <a:t>: </a:t>
             </a:r>
-            <a:endParaRPr lang="pl-PL" sz="2000" dirty="0">
-              <a:highlight>
-                <a:srgbClr val="00FF00"/>
-              </a:highlight>
-            </a:endParaRPr>
+            <a:endParaRPr lang="pl-PL" sz="2000" dirty="0"/>
           </a:p>
         </p:txBody>
       </p:sp>
@@ -4509,48 +4376,24 @@
           <a:p>
             <a:pPr algn="l"/>
             <a:r>
-              <a:rPr lang="pl-PL" sz="2000" dirty="0">
-                <a:highlight>
-                  <a:srgbClr val="00FF00"/>
-                </a:highlight>
-              </a:rPr>
+              <a:rPr lang="pl-PL" sz="2000" dirty="0"/>
               <a:t>Dzień 1: Wizualizacja, Tematy Zaawansowane i Praktyczne Ćwiczenia</a:t>
             </a:r>
             <a:br>
-              <a:rPr lang="pl-PL" sz="2000" dirty="0">
-                <a:highlight>
-                  <a:srgbClr val="00FF00"/>
-                </a:highlight>
-              </a:rPr>
+              <a:rPr lang="pl-PL" sz="2000" dirty="0"/>
             </a:br>
             <a:br>
-              <a:rPr lang="pl-PL" sz="2000" dirty="0">
-                <a:highlight>
-                  <a:srgbClr val="00FF00"/>
-                </a:highlight>
-              </a:rPr>
+              <a:rPr lang="pl-PL" sz="2000" dirty="0"/>
             </a:br>
             <a:r>
-              <a:rPr lang="pl-PL" sz="1800" dirty="0">
-                <a:highlight>
-                  <a:srgbClr val="00FF00"/>
-                </a:highlight>
-              </a:rPr>
+              <a:rPr lang="pl-PL" sz="1800" dirty="0"/>
               <a:t>Sesja 1: Instalacja i Konfiguracja OpenTelemetry</a:t>
             </a:r>
             <a:r>
-              <a:rPr lang="en-GB" sz="1800" dirty="0">
-                <a:highlight>
-                  <a:srgbClr val="00FF00"/>
-                </a:highlight>
-              </a:rPr>
+              <a:rPr lang="en-GB" sz="1800" dirty="0"/>
               <a:t>: </a:t>
             </a:r>
-            <a:endParaRPr lang="pl-PL" sz="2000" dirty="0">
-              <a:highlight>
-                <a:srgbClr val="00FF00"/>
-              </a:highlight>
-            </a:endParaRPr>
+            <a:endParaRPr lang="pl-PL" sz="2000" dirty="0"/>
           </a:p>
         </p:txBody>
       </p:sp>
@@ -4729,48 +4572,24 @@
           <a:p>
             <a:pPr algn="l"/>
             <a:r>
-              <a:rPr lang="pl-PL" sz="2000" dirty="0">
-                <a:highlight>
-                  <a:srgbClr val="00FF00"/>
-                </a:highlight>
-              </a:rPr>
+              <a:rPr lang="pl-PL" sz="2000" dirty="0"/>
               <a:t>Dzień 1: Wizualizacja, Tematy Zaawansowane i Praktyczne Ćwiczenia</a:t>
             </a:r>
             <a:br>
-              <a:rPr lang="pl-PL" sz="2000" dirty="0">
-                <a:highlight>
-                  <a:srgbClr val="00FF00"/>
-                </a:highlight>
-              </a:rPr>
+              <a:rPr lang="pl-PL" sz="2000" dirty="0"/>
             </a:br>
             <a:br>
-              <a:rPr lang="pl-PL" sz="2000" dirty="0">
-                <a:highlight>
-                  <a:srgbClr val="00FF00"/>
-                </a:highlight>
-              </a:rPr>
+              <a:rPr lang="pl-PL" sz="2000" dirty="0"/>
             </a:br>
             <a:r>
-              <a:rPr lang="pl-PL" sz="1800" dirty="0">
-                <a:highlight>
-                  <a:srgbClr val="00FF00"/>
-                </a:highlight>
-              </a:rPr>
+              <a:rPr lang="pl-PL" sz="1800" dirty="0"/>
               <a:t>Sesja 1: Instalacja i Konfiguracja OpenTelemetry</a:t>
             </a:r>
             <a:r>
-              <a:rPr lang="en-GB" sz="1800" dirty="0">
-                <a:highlight>
-                  <a:srgbClr val="00FF00"/>
-                </a:highlight>
-              </a:rPr>
+              <a:rPr lang="en-GB" sz="1800" dirty="0"/>
               <a:t>: </a:t>
             </a:r>
-            <a:endParaRPr lang="pl-PL" sz="2000" dirty="0">
-              <a:highlight>
-                <a:srgbClr val="00FF00"/>
-              </a:highlight>
-            </a:endParaRPr>
+            <a:endParaRPr lang="pl-PL" sz="2000" dirty="0"/>
           </a:p>
         </p:txBody>
       </p:sp>
@@ -5093,48 +4912,24 @@
           <a:p>
             <a:pPr algn="l"/>
             <a:r>
-              <a:rPr lang="pl-PL" sz="2000" dirty="0">
-                <a:highlight>
-                  <a:srgbClr val="00FF00"/>
-                </a:highlight>
-              </a:rPr>
+              <a:rPr lang="pl-PL" sz="2000" dirty="0"/>
               <a:t>Dzień 1: Wizualizacja, Tematy Zaawansowane i Praktyczne Ćwiczenia</a:t>
             </a:r>
             <a:br>
-              <a:rPr lang="pl-PL" sz="2000" dirty="0">
-                <a:highlight>
-                  <a:srgbClr val="00FF00"/>
-                </a:highlight>
-              </a:rPr>
+              <a:rPr lang="pl-PL" sz="2000" dirty="0"/>
             </a:br>
             <a:br>
-              <a:rPr lang="pl-PL" sz="2000" dirty="0">
-                <a:highlight>
-                  <a:srgbClr val="00FF00"/>
-                </a:highlight>
-              </a:rPr>
+              <a:rPr lang="pl-PL" sz="2000" dirty="0"/>
             </a:br>
             <a:r>
-              <a:rPr lang="pl-PL" sz="1800" dirty="0">
-                <a:highlight>
-                  <a:srgbClr val="00FF00"/>
-                </a:highlight>
-              </a:rPr>
+              <a:rPr lang="pl-PL" sz="1800" dirty="0"/>
               <a:t>Sesja 1: Instalacja i Konfiguracja OpenTelemetry</a:t>
             </a:r>
             <a:r>
-              <a:rPr lang="en-GB" sz="1800" dirty="0">
-                <a:highlight>
-                  <a:srgbClr val="00FF00"/>
-                </a:highlight>
-              </a:rPr>
+              <a:rPr lang="en-GB" sz="1800" dirty="0"/>
               <a:t>: </a:t>
             </a:r>
-            <a:endParaRPr lang="pl-PL" sz="2000" dirty="0">
-              <a:highlight>
-                <a:srgbClr val="00FF00"/>
-              </a:highlight>
-            </a:endParaRPr>
+            <a:endParaRPr lang="pl-PL" sz="2000" dirty="0"/>
           </a:p>
         </p:txBody>
       </p:sp>
@@ -5624,48 +5419,24 @@
           <a:p>
             <a:pPr algn="l"/>
             <a:r>
-              <a:rPr lang="pl-PL" sz="2000" dirty="0">
-                <a:highlight>
-                  <a:srgbClr val="00FF00"/>
-                </a:highlight>
-              </a:rPr>
+              <a:rPr lang="pl-PL" sz="2000" dirty="0"/>
               <a:t>Dzień 1: Wizualizacja, Tematy Zaawansowane i Praktyczne Ćwiczenia</a:t>
             </a:r>
             <a:br>
-              <a:rPr lang="pl-PL" sz="2000" dirty="0">
-                <a:highlight>
-                  <a:srgbClr val="00FF00"/>
-                </a:highlight>
-              </a:rPr>
+              <a:rPr lang="pl-PL" sz="2000" dirty="0"/>
             </a:br>
             <a:br>
-              <a:rPr lang="pl-PL" sz="2000" dirty="0">
-                <a:highlight>
-                  <a:srgbClr val="00FF00"/>
-                </a:highlight>
-              </a:rPr>
+              <a:rPr lang="pl-PL" sz="2000" dirty="0"/>
             </a:br>
             <a:r>
-              <a:rPr lang="pl-PL" sz="1800" dirty="0">
-                <a:highlight>
-                  <a:srgbClr val="00FF00"/>
-                </a:highlight>
-              </a:rPr>
+              <a:rPr lang="pl-PL" sz="1800" dirty="0"/>
               <a:t>Sesja 1: Instalacja i Konfiguracja OpenTelemetry</a:t>
             </a:r>
             <a:r>
-              <a:rPr lang="en-GB" sz="1800" dirty="0">
-                <a:highlight>
-                  <a:srgbClr val="00FF00"/>
-                </a:highlight>
-              </a:rPr>
+              <a:rPr lang="en-GB" sz="1800" dirty="0"/>
               <a:t>: </a:t>
             </a:r>
-            <a:endParaRPr lang="pl-PL" sz="2000" dirty="0">
-              <a:highlight>
-                <a:srgbClr val="00FF00"/>
-              </a:highlight>
-            </a:endParaRPr>
+            <a:endParaRPr lang="pl-PL" sz="2000" dirty="0"/>
           </a:p>
         </p:txBody>
       </p:sp>

--- a/otel teoria/Day 1 session 2.1 Przeglad SDK.pptx
+++ b/otel teoria/Day 1 session 2.1 Przeglad SDK.pptx
@@ -215,7 +215,7 @@
           <a:p>
             <a:fld id="{B6182559-CB5C-D240-A660-003CD22EEEA2}" type="datetimeFigureOut">
               <a:rPr lang="pl-PL" smtClean="0"/>
-              <a:t>1.10.2024</a:t>
+              <a:t>2.10.2024</a:t>
             </a:fld>
             <a:endParaRPr lang="pl-PL"/>
           </a:p>
@@ -662,7 +662,7 @@
           <a:p>
             <a:fld id="{5BCAD085-E8A6-8845-BD4E-CB4CCA059FC4}" type="datetimeFigureOut">
               <a:rPr lang="en-US" smtClean="0"/>
-              <a:t>10/1/24</a:t>
+              <a:t>10/2/24</a:t>
             </a:fld>
             <a:endParaRPr lang="en-US"/>
           </a:p>
@@ -830,7 +830,7 @@
           <a:p>
             <a:fld id="{5BCAD085-E8A6-8845-BD4E-CB4CCA059FC4}" type="datetimeFigureOut">
               <a:rPr lang="en-US" smtClean="0"/>
-              <a:t>10/1/24</a:t>
+              <a:t>10/2/24</a:t>
             </a:fld>
             <a:endParaRPr lang="en-US"/>
           </a:p>
@@ -1008,7 +1008,7 @@
           <a:p>
             <a:fld id="{5BCAD085-E8A6-8845-BD4E-CB4CCA059FC4}" type="datetimeFigureOut">
               <a:rPr lang="en-US" smtClean="0"/>
-              <a:t>10/1/24</a:t>
+              <a:t>10/2/24</a:t>
             </a:fld>
             <a:endParaRPr lang="en-US"/>
           </a:p>
@@ -1176,7 +1176,7 @@
           <a:p>
             <a:fld id="{5BCAD085-E8A6-8845-BD4E-CB4CCA059FC4}" type="datetimeFigureOut">
               <a:rPr lang="en-US" smtClean="0"/>
-              <a:t>10/1/24</a:t>
+              <a:t>10/2/24</a:t>
             </a:fld>
             <a:endParaRPr lang="en-US"/>
           </a:p>
@@ -1421,7 +1421,7 @@
           <a:p>
             <a:fld id="{5BCAD085-E8A6-8845-BD4E-CB4CCA059FC4}" type="datetimeFigureOut">
               <a:rPr lang="en-US" smtClean="0"/>
-              <a:t>10/1/24</a:t>
+              <a:t>10/2/24</a:t>
             </a:fld>
             <a:endParaRPr lang="en-US"/>
           </a:p>
@@ -1706,7 +1706,7 @@
           <a:p>
             <a:fld id="{5BCAD085-E8A6-8845-BD4E-CB4CCA059FC4}" type="datetimeFigureOut">
               <a:rPr lang="en-US" smtClean="0"/>
-              <a:t>10/1/24</a:t>
+              <a:t>10/2/24</a:t>
             </a:fld>
             <a:endParaRPr lang="en-US"/>
           </a:p>
@@ -2125,7 +2125,7 @@
           <a:p>
             <a:fld id="{5BCAD085-E8A6-8845-BD4E-CB4CCA059FC4}" type="datetimeFigureOut">
               <a:rPr lang="en-US" smtClean="0"/>
-              <a:t>10/1/24</a:t>
+              <a:t>10/2/24</a:t>
             </a:fld>
             <a:endParaRPr lang="en-US"/>
           </a:p>
@@ -2242,7 +2242,7 @@
           <a:p>
             <a:fld id="{5BCAD085-E8A6-8845-BD4E-CB4CCA059FC4}" type="datetimeFigureOut">
               <a:rPr lang="en-US" smtClean="0"/>
-              <a:t>10/1/24</a:t>
+              <a:t>10/2/24</a:t>
             </a:fld>
             <a:endParaRPr lang="en-US"/>
           </a:p>
@@ -2337,7 +2337,7 @@
           <a:p>
             <a:fld id="{5BCAD085-E8A6-8845-BD4E-CB4CCA059FC4}" type="datetimeFigureOut">
               <a:rPr lang="en-US" smtClean="0"/>
-              <a:t>10/1/24</a:t>
+              <a:t>10/2/24</a:t>
             </a:fld>
             <a:endParaRPr lang="en-US"/>
           </a:p>
@@ -2612,7 +2612,7 @@
           <a:p>
             <a:fld id="{5BCAD085-E8A6-8845-BD4E-CB4CCA059FC4}" type="datetimeFigureOut">
               <a:rPr lang="en-US" smtClean="0"/>
-              <a:t>10/1/24</a:t>
+              <a:t>10/2/24</a:t>
             </a:fld>
             <a:endParaRPr lang="en-US"/>
           </a:p>
@@ -2864,7 +2864,7 @@
           <a:p>
             <a:fld id="{5BCAD085-E8A6-8845-BD4E-CB4CCA059FC4}" type="datetimeFigureOut">
               <a:rPr lang="en-US" smtClean="0"/>
-              <a:t>10/1/24</a:t>
+              <a:t>10/2/24</a:t>
             </a:fld>
             <a:endParaRPr lang="en-US"/>
           </a:p>
@@ -3075,7 +3075,7 @@
           <a:p>
             <a:fld id="{5BCAD085-E8A6-8845-BD4E-CB4CCA059FC4}" type="datetimeFigureOut">
               <a:rPr lang="en-US" smtClean="0"/>
-              <a:t>10/1/24</a:t>
+              <a:t>10/2/24</a:t>
             </a:fld>
             <a:endParaRPr lang="en-US"/>
           </a:p>
@@ -3462,47 +3462,67 @@
         </p:nvSpPr>
         <p:spPr/>
         <p:txBody>
+          <a:bodyPr>
+            <a:normAutofit fontScale="90000"/>
+          </a:bodyPr>
+          <a:lstStyle/>
+          <a:p>
+            <a:r>
+              <a:rPr lang="en-GB" dirty="0" err="1"/>
+              <a:t>Szkolenie</a:t>
+            </a:r>
+            <a:r>
+              <a:rPr lang="en-GB" dirty="0"/>
+              <a:t> </a:t>
+            </a:r>
+            <a:br>
+              <a:rPr lang="en-GB" dirty="0"/>
+            </a:br>
+            <a:br>
+              <a:rPr lang="en-GB" dirty="0"/>
+            </a:br>
+            <a:r>
+              <a:rPr lang="en-GB" dirty="0" err="1"/>
+              <a:t>Instrumentacja</a:t>
+            </a:r>
+            <a:r>
+              <a:rPr lang="en-GB" dirty="0"/>
+              <a:t> </a:t>
+            </a:r>
+            <a:br>
+              <a:rPr lang="en-GB" dirty="0"/>
+            </a:br>
+            <a:r>
+              <a:rPr lang="en-GB" dirty="0"/>
+              <a:t>OpenTelemetry</a:t>
+            </a:r>
+            <a:endParaRPr dirty="0"/>
+          </a:p>
+        </p:txBody>
+      </p:sp>
+      <p:sp>
+        <p:nvSpPr>
+          <p:cNvPr id="3" name="Subtitle 2"/>
+          <p:cNvSpPr>
+            <a:spLocks noGrp="1"/>
+          </p:cNvSpPr>
+          <p:nvPr>
+            <p:ph type="subTitle" idx="1"/>
+          </p:nvPr>
+        </p:nvSpPr>
+        <p:spPr>
+          <a:xfrm>
+            <a:off x="1371600" y="4784124"/>
+            <a:ext cx="6400800" cy="1752600"/>
+          </a:xfrm>
+        </p:spPr>
+        <p:txBody>
           <a:bodyPr/>
           <a:lstStyle/>
           <a:p>
             <a:r>
-              <a:rPr dirty="0" err="1"/>
-              <a:t>Szkolenie</a:t>
-            </a:r>
-            <a:r>
-              <a:rPr dirty="0"/>
-              <a:t> </a:t>
-            </a:r>
-            <a:r>
-              <a:rPr dirty="0" err="1"/>
-              <a:t>OpenTelemetry</a:t>
-            </a:r>
-            <a:endParaRPr dirty="0"/>
-          </a:p>
-        </p:txBody>
-      </p:sp>
-      <p:sp>
-        <p:nvSpPr>
-          <p:cNvPr id="3" name="Subtitle 2"/>
-          <p:cNvSpPr>
-            <a:spLocks noGrp="1"/>
-          </p:cNvSpPr>
-          <p:nvPr>
-            <p:ph type="subTitle" idx="1"/>
-          </p:nvPr>
-        </p:nvSpPr>
-        <p:spPr/>
-        <p:txBody>
-          <a:bodyPr/>
-          <a:lstStyle/>
-          <a:p>
-            <a:r>
-              <a:rPr lang="pl-PL" noProof="0"/>
-              <a:t>Przegląd </a:t>
-            </a:r>
-            <a:r>
               <a:rPr lang="pl-PL" noProof="0" dirty="0"/>
-              <a:t>SDK</a:t>
+              <a:t>Przegląd SDK</a:t>
             </a:r>
           </a:p>
         </p:txBody>
